--- a/RISC-V stage 2.pptx
+++ b/RISC-V stage 2.pptx
@@ -259,7 +259,7 @@
           <a:p>
             <a:fld id="{51AFF834-1BEC-4F95-9622-28B5DCC1FE16}" type="datetimeFigureOut">
               <a:rPr lang="en-US" smtClean="0"/>
-              <a:t>6/30/2025</a:t>
+              <a:t>7/1/2025</a:t>
             </a:fld>
             <a:endParaRPr lang="en-US"/>
           </a:p>
@@ -457,7 +457,7 @@
           <a:p>
             <a:fld id="{51AFF834-1BEC-4F95-9622-28B5DCC1FE16}" type="datetimeFigureOut">
               <a:rPr lang="en-US" smtClean="0"/>
-              <a:t>6/30/2025</a:t>
+              <a:t>7/1/2025</a:t>
             </a:fld>
             <a:endParaRPr lang="en-US"/>
           </a:p>
@@ -665,7 +665,7 @@
           <a:p>
             <a:fld id="{51AFF834-1BEC-4F95-9622-28B5DCC1FE16}" type="datetimeFigureOut">
               <a:rPr lang="en-US" smtClean="0"/>
-              <a:t>6/30/2025</a:t>
+              <a:t>7/1/2025</a:t>
             </a:fld>
             <a:endParaRPr lang="en-US"/>
           </a:p>
@@ -863,7 +863,7 @@
           <a:p>
             <a:fld id="{51AFF834-1BEC-4F95-9622-28B5DCC1FE16}" type="datetimeFigureOut">
               <a:rPr lang="en-US" smtClean="0"/>
-              <a:t>6/30/2025</a:t>
+              <a:t>7/1/2025</a:t>
             </a:fld>
             <a:endParaRPr lang="en-US"/>
           </a:p>
@@ -1138,7 +1138,7 @@
           <a:p>
             <a:fld id="{51AFF834-1BEC-4F95-9622-28B5DCC1FE16}" type="datetimeFigureOut">
               <a:rPr lang="en-US" smtClean="0"/>
-              <a:t>6/30/2025</a:t>
+              <a:t>7/1/2025</a:t>
             </a:fld>
             <a:endParaRPr lang="en-US"/>
           </a:p>
@@ -1403,7 +1403,7 @@
           <a:p>
             <a:fld id="{51AFF834-1BEC-4F95-9622-28B5DCC1FE16}" type="datetimeFigureOut">
               <a:rPr lang="en-US" smtClean="0"/>
-              <a:t>6/30/2025</a:t>
+              <a:t>7/1/2025</a:t>
             </a:fld>
             <a:endParaRPr lang="en-US"/>
           </a:p>
@@ -1815,7 +1815,7 @@
           <a:p>
             <a:fld id="{51AFF834-1BEC-4F95-9622-28B5DCC1FE16}" type="datetimeFigureOut">
               <a:rPr lang="en-US" smtClean="0"/>
-              <a:t>6/30/2025</a:t>
+              <a:t>7/1/2025</a:t>
             </a:fld>
             <a:endParaRPr lang="en-US"/>
           </a:p>
@@ -1956,7 +1956,7 @@
           <a:p>
             <a:fld id="{51AFF834-1BEC-4F95-9622-28B5DCC1FE16}" type="datetimeFigureOut">
               <a:rPr lang="en-US" smtClean="0"/>
-              <a:t>6/30/2025</a:t>
+              <a:t>7/1/2025</a:t>
             </a:fld>
             <a:endParaRPr lang="en-US"/>
           </a:p>
@@ -2069,7 +2069,7 @@
           <a:p>
             <a:fld id="{51AFF834-1BEC-4F95-9622-28B5DCC1FE16}" type="datetimeFigureOut">
               <a:rPr lang="en-US" smtClean="0"/>
-              <a:t>6/30/2025</a:t>
+              <a:t>7/1/2025</a:t>
             </a:fld>
             <a:endParaRPr lang="en-US"/>
           </a:p>
@@ -2380,7 +2380,7 @@
           <a:p>
             <a:fld id="{51AFF834-1BEC-4F95-9622-28B5DCC1FE16}" type="datetimeFigureOut">
               <a:rPr lang="en-US" smtClean="0"/>
-              <a:t>6/30/2025</a:t>
+              <a:t>7/1/2025</a:t>
             </a:fld>
             <a:endParaRPr lang="en-US"/>
           </a:p>
@@ -2668,7 +2668,7 @@
           <a:p>
             <a:fld id="{51AFF834-1BEC-4F95-9622-28B5DCC1FE16}" type="datetimeFigureOut">
               <a:rPr lang="en-US" smtClean="0"/>
-              <a:t>6/30/2025</a:t>
+              <a:t>7/1/2025</a:t>
             </a:fld>
             <a:endParaRPr lang="en-US"/>
           </a:p>
@@ -2909,7 +2909,7 @@
           <a:p>
             <a:fld id="{51AFF834-1BEC-4F95-9622-28B5DCC1FE16}" type="datetimeFigureOut">
               <a:rPr lang="en-US" smtClean="0"/>
-              <a:t>6/30/2025</a:t>
+              <a:t>7/1/2025</a:t>
             </a:fld>
             <a:endParaRPr lang="en-US"/>
           </a:p>
@@ -3340,8 +3340,8 @@
         </p:nvSpPr>
         <p:spPr>
           <a:xfrm>
-            <a:off x="4239645" y="82040"/>
-            <a:ext cx="3981603" cy="553998"/>
+            <a:off x="3825240" y="82040"/>
+            <a:ext cx="4810420" cy="553998"/>
           </a:xfrm>
           <a:prstGeom prst="rect">
             <a:avLst/>
@@ -3357,7 +3357,7 @@
             <a:pPr algn="ctr"/>
             <a:r>
               <a:rPr lang="en-US" b="1" dirty="0"/>
-              <a:t>RISC-V 5-cycle Pipeline Architecture</a:t>
+              <a:t>Stage 2. RISC-V 5-cycle Pipeline Architecture</a:t>
             </a:r>
           </a:p>
           <a:p>
@@ -5101,6 +5101,7 @@
           <a:prstGeom prst="line">
             <a:avLst/>
           </a:prstGeom>
+          <a:ln w="38100"/>
         </p:spPr>
         <p:style>
           <a:lnRef idx="2">
@@ -5139,6 +5140,7 @@
           <a:prstGeom prst="line">
             <a:avLst/>
           </a:prstGeom>
+          <a:ln w="38100"/>
         </p:spPr>
         <p:style>
           <a:lnRef idx="2">
@@ -5177,6 +5179,7 @@
           <a:prstGeom prst="line">
             <a:avLst/>
           </a:prstGeom>
+          <a:ln w="38100"/>
         </p:spPr>
         <p:style>
           <a:lnRef idx="2">
@@ -10088,10 +10091,150 @@
       </p:sp>
       <p:sp>
         <p:nvSpPr>
-          <p:cNvPr id="17" name="Rectangle 16">
-            <a:extLst>
-              <a:ext uri="{FF2B5EF4-FFF2-40B4-BE49-F238E27FC236}">
-                <a16:creationId xmlns:a16="http://schemas.microsoft.com/office/drawing/2014/main" id="{5CD4FFA6-AD0D-E7BC-829D-1DA46F34FDF1}"/>
+          <p:cNvPr id="18" name="TextBox 17">
+            <a:extLst>
+              <a:ext uri="{FF2B5EF4-FFF2-40B4-BE49-F238E27FC236}">
+                <a16:creationId xmlns:a16="http://schemas.microsoft.com/office/drawing/2014/main" id="{71A85F51-CDCF-DFC4-A78B-5B79381B7901}"/>
+              </a:ext>
+            </a:extLst>
+          </p:cNvPr>
+          <p:cNvSpPr txBox="1"/>
+          <p:nvPr/>
+        </p:nvSpPr>
+        <p:spPr>
+          <a:xfrm>
+            <a:off x="2248850" y="726305"/>
+            <a:ext cx="521297" cy="276999"/>
+          </a:xfrm>
+          <a:prstGeom prst="rect">
+            <a:avLst/>
+          </a:prstGeom>
+          <a:noFill/>
+        </p:spPr>
+        <p:txBody>
+          <a:bodyPr wrap="none" rtlCol="0">
+            <a:spAutoFit/>
+          </a:bodyPr>
+          <a:lstStyle/>
+          <a:p>
+            <a:r>
+              <a:rPr lang="en-US" sz="1200" dirty="0"/>
+              <a:t>IF_ID</a:t>
+            </a:r>
+          </a:p>
+        </p:txBody>
+      </p:sp>
+      <p:sp>
+        <p:nvSpPr>
+          <p:cNvPr id="19" name="TextBox 18">
+            <a:extLst>
+              <a:ext uri="{FF2B5EF4-FFF2-40B4-BE49-F238E27FC236}">
+                <a16:creationId xmlns:a16="http://schemas.microsoft.com/office/drawing/2014/main" id="{4208595C-A8B4-EC1A-CEC5-C3F6C12A297B}"/>
+              </a:ext>
+            </a:extLst>
+          </p:cNvPr>
+          <p:cNvSpPr txBox="1"/>
+          <p:nvPr/>
+        </p:nvSpPr>
+        <p:spPr>
+          <a:xfrm>
+            <a:off x="5078535" y="722238"/>
+            <a:ext cx="570990" cy="276999"/>
+          </a:xfrm>
+          <a:prstGeom prst="rect">
+            <a:avLst/>
+          </a:prstGeom>
+          <a:noFill/>
+        </p:spPr>
+        <p:txBody>
+          <a:bodyPr wrap="none" rtlCol="0">
+            <a:spAutoFit/>
+          </a:bodyPr>
+          <a:lstStyle/>
+          <a:p>
+            <a:r>
+              <a:rPr lang="en-US" sz="1200" dirty="0"/>
+              <a:t>ID_EX</a:t>
+            </a:r>
+          </a:p>
+        </p:txBody>
+      </p:sp>
+      <p:sp>
+        <p:nvSpPr>
+          <p:cNvPr id="20" name="TextBox 19">
+            <a:extLst>
+              <a:ext uri="{FF2B5EF4-FFF2-40B4-BE49-F238E27FC236}">
+                <a16:creationId xmlns:a16="http://schemas.microsoft.com/office/drawing/2014/main" id="{A944A068-9364-EA34-27D3-B5352516ABEB}"/>
+              </a:ext>
+            </a:extLst>
+          </p:cNvPr>
+          <p:cNvSpPr txBox="1"/>
+          <p:nvPr/>
+        </p:nvSpPr>
+        <p:spPr>
+          <a:xfrm>
+            <a:off x="7018722" y="740372"/>
+            <a:ext cx="753732" cy="276999"/>
+          </a:xfrm>
+          <a:prstGeom prst="rect">
+            <a:avLst/>
+          </a:prstGeom>
+          <a:noFill/>
+        </p:spPr>
+        <p:txBody>
+          <a:bodyPr wrap="none" rtlCol="0">
+            <a:spAutoFit/>
+          </a:bodyPr>
+          <a:lstStyle/>
+          <a:p>
+            <a:r>
+              <a:rPr lang="en-US" sz="1200" dirty="0"/>
+              <a:t>EX_MEM</a:t>
+            </a:r>
+          </a:p>
+        </p:txBody>
+      </p:sp>
+      <p:sp>
+        <p:nvSpPr>
+          <p:cNvPr id="21" name="TextBox 20">
+            <a:extLst>
+              <a:ext uri="{FF2B5EF4-FFF2-40B4-BE49-F238E27FC236}">
+                <a16:creationId xmlns:a16="http://schemas.microsoft.com/office/drawing/2014/main" id="{7976CC08-2328-4CAE-36E1-B6668E8E0A0B}"/>
+              </a:ext>
+            </a:extLst>
+          </p:cNvPr>
+          <p:cNvSpPr txBox="1"/>
+          <p:nvPr/>
+        </p:nvSpPr>
+        <p:spPr>
+          <a:xfrm>
+            <a:off x="9527038" y="730468"/>
+            <a:ext cx="814647" cy="276999"/>
+          </a:xfrm>
+          <a:prstGeom prst="rect">
+            <a:avLst/>
+          </a:prstGeom>
+          <a:noFill/>
+        </p:spPr>
+        <p:txBody>
+          <a:bodyPr wrap="none" rtlCol="0">
+            <a:spAutoFit/>
+          </a:bodyPr>
+          <a:lstStyle/>
+          <a:p>
+            <a:r>
+              <a:rPr lang="en-US" sz="1200" dirty="0"/>
+              <a:t>MEM_WB</a:t>
+            </a:r>
+          </a:p>
+        </p:txBody>
+      </p:sp>
+      <p:sp>
+        <p:nvSpPr>
+          <p:cNvPr id="23" name="Rectangle 22">
+            <a:extLst>
+              <a:ext uri="{FF2B5EF4-FFF2-40B4-BE49-F238E27FC236}">
+                <a16:creationId xmlns:a16="http://schemas.microsoft.com/office/drawing/2014/main" id="{A8009FE0-7787-A3EB-6282-7D22C75D2C48}"/>
               </a:ext>
             </a:extLst>
           </p:cNvPr>
@@ -10100,8 +10243,8 @@
         </p:nvSpPr>
         <p:spPr>
           <a:xfrm>
-            <a:off x="2449409" y="993914"/>
-            <a:ext cx="111831" cy="3024200"/>
+            <a:off x="2458496" y="983375"/>
+            <a:ext cx="124516" cy="4611756"/>
           </a:xfrm>
           <a:prstGeom prst="rect">
             <a:avLst/>
@@ -10142,146 +10285,6 @@
           <a:p>
             <a:pPr algn="ctr"/>
             <a:endParaRPr lang="en-US"/>
-          </a:p>
-        </p:txBody>
-      </p:sp>
-      <p:sp>
-        <p:nvSpPr>
-          <p:cNvPr id="18" name="TextBox 17">
-            <a:extLst>
-              <a:ext uri="{FF2B5EF4-FFF2-40B4-BE49-F238E27FC236}">
-                <a16:creationId xmlns:a16="http://schemas.microsoft.com/office/drawing/2014/main" id="{71A85F51-CDCF-DFC4-A78B-5B79381B7901}"/>
-              </a:ext>
-            </a:extLst>
-          </p:cNvPr>
-          <p:cNvSpPr txBox="1"/>
-          <p:nvPr/>
-        </p:nvSpPr>
-        <p:spPr>
-          <a:xfrm>
-            <a:off x="2248850" y="726305"/>
-            <a:ext cx="521297" cy="276999"/>
-          </a:xfrm>
-          <a:prstGeom prst="rect">
-            <a:avLst/>
-          </a:prstGeom>
-          <a:noFill/>
-        </p:spPr>
-        <p:txBody>
-          <a:bodyPr wrap="none" rtlCol="0">
-            <a:spAutoFit/>
-          </a:bodyPr>
-          <a:lstStyle/>
-          <a:p>
-            <a:r>
-              <a:rPr lang="en-US" sz="1200" dirty="0"/>
-              <a:t>IF_ID</a:t>
-            </a:r>
-          </a:p>
-        </p:txBody>
-      </p:sp>
-      <p:sp>
-        <p:nvSpPr>
-          <p:cNvPr id="19" name="TextBox 18">
-            <a:extLst>
-              <a:ext uri="{FF2B5EF4-FFF2-40B4-BE49-F238E27FC236}">
-                <a16:creationId xmlns:a16="http://schemas.microsoft.com/office/drawing/2014/main" id="{4208595C-A8B4-EC1A-CEC5-C3F6C12A297B}"/>
-              </a:ext>
-            </a:extLst>
-          </p:cNvPr>
-          <p:cNvSpPr txBox="1"/>
-          <p:nvPr/>
-        </p:nvSpPr>
-        <p:spPr>
-          <a:xfrm>
-            <a:off x="5078535" y="722238"/>
-            <a:ext cx="570990" cy="276999"/>
-          </a:xfrm>
-          <a:prstGeom prst="rect">
-            <a:avLst/>
-          </a:prstGeom>
-          <a:noFill/>
-        </p:spPr>
-        <p:txBody>
-          <a:bodyPr wrap="none" rtlCol="0">
-            <a:spAutoFit/>
-          </a:bodyPr>
-          <a:lstStyle/>
-          <a:p>
-            <a:r>
-              <a:rPr lang="en-US" sz="1200" dirty="0"/>
-              <a:t>ID_EX</a:t>
-            </a:r>
-          </a:p>
-        </p:txBody>
-      </p:sp>
-      <p:sp>
-        <p:nvSpPr>
-          <p:cNvPr id="20" name="TextBox 19">
-            <a:extLst>
-              <a:ext uri="{FF2B5EF4-FFF2-40B4-BE49-F238E27FC236}">
-                <a16:creationId xmlns:a16="http://schemas.microsoft.com/office/drawing/2014/main" id="{A944A068-9364-EA34-27D3-B5352516ABEB}"/>
-              </a:ext>
-            </a:extLst>
-          </p:cNvPr>
-          <p:cNvSpPr txBox="1"/>
-          <p:nvPr/>
-        </p:nvSpPr>
-        <p:spPr>
-          <a:xfrm>
-            <a:off x="7018722" y="740372"/>
-            <a:ext cx="753732" cy="276999"/>
-          </a:xfrm>
-          <a:prstGeom prst="rect">
-            <a:avLst/>
-          </a:prstGeom>
-          <a:noFill/>
-        </p:spPr>
-        <p:txBody>
-          <a:bodyPr wrap="none" rtlCol="0">
-            <a:spAutoFit/>
-          </a:bodyPr>
-          <a:lstStyle/>
-          <a:p>
-            <a:r>
-              <a:rPr lang="en-US" sz="1200" dirty="0"/>
-              <a:t>EX_MEM</a:t>
-            </a:r>
-          </a:p>
-        </p:txBody>
-      </p:sp>
-      <p:sp>
-        <p:nvSpPr>
-          <p:cNvPr id="21" name="TextBox 20">
-            <a:extLst>
-              <a:ext uri="{FF2B5EF4-FFF2-40B4-BE49-F238E27FC236}">
-                <a16:creationId xmlns:a16="http://schemas.microsoft.com/office/drawing/2014/main" id="{7976CC08-2328-4CAE-36E1-B6668E8E0A0B}"/>
-              </a:ext>
-            </a:extLst>
-          </p:cNvPr>
-          <p:cNvSpPr txBox="1"/>
-          <p:nvPr/>
-        </p:nvSpPr>
-        <p:spPr>
-          <a:xfrm>
-            <a:off x="9527038" y="730468"/>
-            <a:ext cx="814647" cy="276999"/>
-          </a:xfrm>
-          <a:prstGeom prst="rect">
-            <a:avLst/>
-          </a:prstGeom>
-          <a:noFill/>
-        </p:spPr>
-        <p:txBody>
-          <a:bodyPr wrap="none" rtlCol="0">
-            <a:spAutoFit/>
-          </a:bodyPr>
-          <a:lstStyle/>
-          <a:p>
-            <a:r>
-              <a:rPr lang="en-US" sz="1200" dirty="0"/>
-              <a:t>MEM_WB</a:t>
-            </a:r>
           </a:p>
         </p:txBody>
       </p:sp>
